--- a/Chapter-4/Lesson-4/Lesson-4.pptx
+++ b/Chapter-4/Lesson-4/Lesson-4.pptx
@@ -10306,7 +10306,7 @@
           <a:p>
             <a:fld id="{7E3D4EF1-0385-43D3-A179-699E3F2FE344}" type="datetime1">
               <a:rPr lang="en-IN" smtClean="0"/>
-              <a:t>13-02-2025</a:t>
+              <a:t>15-02-2025</a:t>
             </a:fld>
             <a:endParaRPr lang="en-IN" dirty="0"/>
           </a:p>
